--- a/差分约束系统.pptx
+++ b/差分约束系统.pptx
@@ -23,20 +23,20 @@
   <p:notesSz cx="6858000" cy="9144000"/>
   <p:embeddedFontLst>
     <p:embeddedFont>
-      <p:font typeface="CamingoCode" panose="020B0509040302020203" pitchFamily="49" charset="0"/>
+      <p:font typeface="等线" panose="02010600030101010101" pitchFamily="2" charset="-122"/>
       <p:regular r:id="rId13"/>
       <p:bold r:id="rId14"/>
-      <p:italic r:id="rId15"/>
-      <p:boldItalic r:id="rId16"/>
-    </p:embeddedFont>
-    <p:embeddedFont>
-      <p:font typeface="等线" panose="02010600030101010101" pitchFamily="2" charset="-122"/>
-      <p:regular r:id="rId17"/>
-      <p:bold r:id="rId18"/>
     </p:embeddedFont>
     <p:embeddedFont>
       <p:font typeface="等线 Light" panose="02010600030101010101" pitchFamily="2" charset="-122"/>
-      <p:regular r:id="rId19"/>
+      <p:regular r:id="rId15"/>
+    </p:embeddedFont>
+    <p:embeddedFont>
+      <p:font typeface="CamingoCode" panose="020B0509040302020203" pitchFamily="49" charset="0"/>
+      <p:regular r:id="rId16"/>
+      <p:bold r:id="rId17"/>
+      <p:italic r:id="rId18"/>
+      <p:boldItalic r:id="rId19"/>
     </p:embeddedFont>
   </p:embeddedFontLst>
   <p:defaultTextStyle>
@@ -224,7 +224,7 @@
           <a:p>
             <a:fld id="{A196ACFE-8755-4B9E-A581-CCD070B0F316}" type="datetimeFigureOut">
               <a:rPr lang="zh-CN" altLang="en-US" smtClean="0"/>
-              <a:t>2020/12/18</a:t>
+              <a:t>2021/1/10</a:t>
             </a:fld>
             <a:endParaRPr lang="zh-CN" altLang="en-US"/>
           </a:p>
@@ -1478,7 +1478,7 @@
           <a:p>
             <a:fld id="{663DF365-076B-453A-B102-071E7C80D9E9}" type="datetimeFigureOut">
               <a:rPr lang="zh-CN" altLang="en-US" smtClean="0"/>
-              <a:t>2020/12/18</a:t>
+              <a:t>2021/1/10</a:t>
             </a:fld>
             <a:endParaRPr lang="zh-CN" altLang="en-US"/>
           </a:p>
@@ -1676,7 +1676,7 @@
           <a:p>
             <a:fld id="{663DF365-076B-453A-B102-071E7C80D9E9}" type="datetimeFigureOut">
               <a:rPr lang="zh-CN" altLang="en-US" smtClean="0"/>
-              <a:t>2020/12/18</a:t>
+              <a:t>2021/1/10</a:t>
             </a:fld>
             <a:endParaRPr lang="zh-CN" altLang="en-US"/>
           </a:p>
@@ -1884,7 +1884,7 @@
           <a:p>
             <a:fld id="{663DF365-076B-453A-B102-071E7C80D9E9}" type="datetimeFigureOut">
               <a:rPr lang="zh-CN" altLang="en-US" smtClean="0"/>
-              <a:t>2020/12/18</a:t>
+              <a:t>2021/1/10</a:t>
             </a:fld>
             <a:endParaRPr lang="zh-CN" altLang="en-US"/>
           </a:p>
@@ -2634,7 +2634,7 @@
           <a:p>
             <a:fld id="{663DF365-076B-453A-B102-071E7C80D9E9}" type="datetimeFigureOut">
               <a:rPr lang="zh-CN" altLang="en-US" smtClean="0"/>
-              <a:t>2020/12/18</a:t>
+              <a:t>2021/1/10</a:t>
             </a:fld>
             <a:endParaRPr lang="zh-CN" altLang="en-US"/>
           </a:p>
@@ -2909,7 +2909,7 @@
           <a:p>
             <a:fld id="{663DF365-076B-453A-B102-071E7C80D9E9}" type="datetimeFigureOut">
               <a:rPr lang="zh-CN" altLang="en-US" smtClean="0"/>
-              <a:t>2020/12/18</a:t>
+              <a:t>2021/1/10</a:t>
             </a:fld>
             <a:endParaRPr lang="zh-CN" altLang="en-US"/>
           </a:p>
@@ -3174,7 +3174,7 @@
           <a:p>
             <a:fld id="{663DF365-076B-453A-B102-071E7C80D9E9}" type="datetimeFigureOut">
               <a:rPr lang="zh-CN" altLang="en-US" smtClean="0"/>
-              <a:t>2020/12/18</a:t>
+              <a:t>2021/1/10</a:t>
             </a:fld>
             <a:endParaRPr lang="zh-CN" altLang="en-US"/>
           </a:p>
@@ -3586,7 +3586,7 @@
           <a:p>
             <a:fld id="{663DF365-076B-453A-B102-071E7C80D9E9}" type="datetimeFigureOut">
               <a:rPr lang="zh-CN" altLang="en-US" smtClean="0"/>
-              <a:t>2020/12/18</a:t>
+              <a:t>2021/1/10</a:t>
             </a:fld>
             <a:endParaRPr lang="zh-CN" altLang="en-US"/>
           </a:p>
@@ -3727,7 +3727,7 @@
           <a:p>
             <a:fld id="{663DF365-076B-453A-B102-071E7C80D9E9}" type="datetimeFigureOut">
               <a:rPr lang="zh-CN" altLang="en-US" smtClean="0"/>
-              <a:t>2020/12/18</a:t>
+              <a:t>2021/1/10</a:t>
             </a:fld>
             <a:endParaRPr lang="zh-CN" altLang="en-US"/>
           </a:p>
@@ -3840,7 +3840,7 @@
           <a:p>
             <a:fld id="{663DF365-076B-453A-B102-071E7C80D9E9}" type="datetimeFigureOut">
               <a:rPr lang="zh-CN" altLang="en-US" smtClean="0"/>
-              <a:t>2020/12/18</a:t>
+              <a:t>2021/1/10</a:t>
             </a:fld>
             <a:endParaRPr lang="zh-CN" altLang="en-US"/>
           </a:p>
@@ -4151,7 +4151,7 @@
           <a:p>
             <a:fld id="{663DF365-076B-453A-B102-071E7C80D9E9}" type="datetimeFigureOut">
               <a:rPr lang="zh-CN" altLang="en-US" smtClean="0"/>
-              <a:t>2020/12/18</a:t>
+              <a:t>2021/1/10</a:t>
             </a:fld>
             <a:endParaRPr lang="zh-CN" altLang="en-US"/>
           </a:p>
@@ -4439,7 +4439,7 @@
           <a:p>
             <a:fld id="{663DF365-076B-453A-B102-071E7C80D9E9}" type="datetimeFigureOut">
               <a:rPr lang="zh-CN" altLang="en-US" smtClean="0"/>
-              <a:t>2020/12/18</a:t>
+              <a:t>2021/1/10</a:t>
             </a:fld>
             <a:endParaRPr lang="zh-CN" altLang="en-US"/>
           </a:p>
@@ -4680,7 +4680,7 @@
           <a:p>
             <a:fld id="{663DF365-076B-453A-B102-071E7C80D9E9}" type="datetimeFigureOut">
               <a:rPr lang="zh-CN" altLang="en-US" smtClean="0"/>
-              <a:t>2020/12/18</a:t>
+              <a:t>2021/1/10</a:t>
             </a:fld>
             <a:endParaRPr lang="zh-CN" altLang="en-US"/>
           </a:p>
@@ -5220,54 +5220,6 @@
           </a:p>
         </p:txBody>
       </p:sp>
-      <p:sp>
-        <p:nvSpPr>
-          <p:cNvPr id="5" name="文本框 4"/>
-          <p:cNvSpPr txBox="1"/>
-          <p:nvPr/>
-        </p:nvSpPr>
-        <p:spPr>
-          <a:xfrm>
-            <a:off x="6322259" y="4467944"/>
-            <a:ext cx="2164516" cy="523220"/>
-          </a:xfrm>
-          <a:prstGeom prst="rect">
-            <a:avLst/>
-          </a:prstGeom>
-          <a:noFill/>
-        </p:spPr>
-        <p:txBody>
-          <a:bodyPr wrap="square" rtlCol="0">
-            <a:spAutoFit/>
-            <a:scene3d>
-              <a:camera prst="orthographicFront"/>
-              <a:lightRig rig="threePt" dir="t">
-                <a:rot lat="0" lon="0" rev="0"/>
-              </a:lightRig>
-            </a:scene3d>
-            <a:sp3d contourW="12700"/>
-          </a:bodyPr>
-          <a:lstStyle>
-            <a:defPPr>
-              <a:defRPr lang="zh-CN"/>
-            </a:defPPr>
-            <a:lvl1pPr algn="dist">
-              <a:defRPr sz="9600"/>
-            </a:lvl1pPr>
-          </a:lstStyle>
-          <a:p>
-            <a:r>
-              <a:rPr lang="en-US" altLang="zh-CN" sz="2800" dirty="0">
-                <a:latin typeface="CamingoCode" panose="020B0509040302020203" pitchFamily="49" charset="0"/>
-              </a:rPr>
-              <a:t>PB20061360</a:t>
-            </a:r>
-            <a:endParaRPr lang="zh-CN" altLang="en-US" sz="2800" dirty="0">
-              <a:latin typeface="CamingoCode" panose="020B0509040302020203" pitchFamily="49" charset="0"/>
-            </a:endParaRPr>
-          </a:p>
-        </p:txBody>
-      </p:sp>
       <p:grpSp>
         <p:nvGrpSpPr>
           <p:cNvPr id="8" name="组合 7"/>
@@ -5384,57 +5336,6 @@
           </p:txBody>
         </p:sp>
       </p:grpSp>
-      <p:sp>
-        <p:nvSpPr>
-          <p:cNvPr id="10" name="文本框 9">
-            <a:extLst>
-              <a:ext uri="{FF2B5EF4-FFF2-40B4-BE49-F238E27FC236}">
-                <a16:creationId xmlns:a16="http://schemas.microsoft.com/office/drawing/2014/main" id="{433B2893-5E32-4F73-960D-921018BAEB6C}"/>
-              </a:ext>
-            </a:extLst>
-          </p:cNvPr>
-          <p:cNvSpPr txBox="1"/>
-          <p:nvPr/>
-        </p:nvSpPr>
-        <p:spPr>
-          <a:xfrm>
-            <a:off x="8486775" y="4467944"/>
-            <a:ext cx="1352564" cy="523220"/>
-          </a:xfrm>
-          <a:prstGeom prst="rect">
-            <a:avLst/>
-          </a:prstGeom>
-          <a:noFill/>
-        </p:spPr>
-        <p:txBody>
-          <a:bodyPr wrap="square" rtlCol="0">
-            <a:spAutoFit/>
-            <a:scene3d>
-              <a:camera prst="orthographicFront"/>
-              <a:lightRig rig="threePt" dir="t">
-                <a:rot lat="0" lon="0" rev="0"/>
-              </a:lightRig>
-            </a:scene3d>
-            <a:sp3d contourW="12700"/>
-          </a:bodyPr>
-          <a:lstStyle>
-            <a:defPPr>
-              <a:defRPr lang="zh-CN"/>
-            </a:defPPr>
-            <a:lvl1pPr algn="dist">
-              <a:defRPr sz="9600"/>
-            </a:lvl1pPr>
-          </a:lstStyle>
-          <a:p>
-            <a:r>
-              <a:rPr lang="zh-CN" altLang="en-US" sz="2800" dirty="0">
-                <a:latin typeface="CamingoCode" panose="020B0509040302020203" pitchFamily="49" charset="0"/>
-              </a:rPr>
-              <a:t>邱慕凡</a:t>
-            </a:r>
-          </a:p>
-        </p:txBody>
-      </p:sp>
     </p:spTree>
     <p:extLst>
       <p:ext uri="{BB962C8B-B14F-4D97-AF65-F5344CB8AC3E}">
@@ -5686,7 +5587,7 @@
                             </p:stCondLst>
                             <p:childTnLst>
                               <p:par>
-                                <p:cTn id="20" presetID="12" presetClass="entr" presetSubtype="1" fill="hold" grpId="0" nodeType="afterEffect">
+                                <p:cTn id="20" presetID="53" presetClass="entr" presetSubtype="16" fill="hold" nodeType="afterEffect">
                                   <p:stCondLst>
                                     <p:cond delay="0"/>
                                   </p:stCondLst>
@@ -5694,73 +5595,6 @@
                                     <p:set>
                                       <p:cBhvr>
                                         <p:cTn id="21" dur="1" fill="hold">
-                                          <p:stCondLst>
-                                            <p:cond delay="0"/>
-                                          </p:stCondLst>
-                                        </p:cTn>
-                                        <p:tgtEl>
-                                          <p:spTgt spid="5"/>
-                                        </p:tgtEl>
-                                        <p:attrNameLst>
-                                          <p:attrName>style.visibility</p:attrName>
-                                        </p:attrNameLst>
-                                      </p:cBhvr>
-                                      <p:to>
-                                        <p:strVal val="visible"/>
-                                      </p:to>
-                                    </p:set>
-                                    <p:anim calcmode="lin" valueType="num">
-                                      <p:cBhvr additive="base">
-                                        <p:cTn id="22" dur="500"/>
-                                        <p:tgtEl>
-                                          <p:spTgt spid="5"/>
-                                        </p:tgtEl>
-                                        <p:attrNameLst>
-                                          <p:attrName>ppt_y</p:attrName>
-                                        </p:attrNameLst>
-                                      </p:cBhvr>
-                                      <p:tavLst>
-                                        <p:tav tm="0">
-                                          <p:val>
-                                            <p:strVal val="#ppt_y-#ppt_h*1.125000"/>
-                                          </p:val>
-                                        </p:tav>
-                                        <p:tav tm="100000">
-                                          <p:val>
-                                            <p:strVal val="#ppt_y"/>
-                                          </p:val>
-                                        </p:tav>
-                                      </p:tavLst>
-                                    </p:anim>
-                                    <p:animEffect transition="in" filter="wipe(down)">
-                                      <p:cBhvr>
-                                        <p:cTn id="23" dur="500"/>
-                                        <p:tgtEl>
-                                          <p:spTgt spid="5"/>
-                                        </p:tgtEl>
-                                      </p:cBhvr>
-                                    </p:animEffect>
-                                  </p:childTnLst>
-                                </p:cTn>
-                              </p:par>
-                            </p:childTnLst>
-                          </p:cTn>
-                        </p:par>
-                        <p:par>
-                          <p:cTn id="24" fill="hold">
-                            <p:stCondLst>
-                              <p:cond delay="2500"/>
-                            </p:stCondLst>
-                            <p:childTnLst>
-                              <p:par>
-                                <p:cTn id="25" presetID="53" presetClass="entr" presetSubtype="16" fill="hold" nodeType="afterEffect">
-                                  <p:stCondLst>
-                                    <p:cond delay="0"/>
-                                  </p:stCondLst>
-                                  <p:childTnLst>
-                                    <p:set>
-                                      <p:cBhvr>
-                                        <p:cTn id="26" dur="1" fill="hold">
                                           <p:stCondLst>
                                             <p:cond delay="0"/>
                                           </p:stCondLst>
@@ -5778,7 +5612,7 @@
                                     </p:set>
                                     <p:anim calcmode="lin" valueType="num">
                                       <p:cBhvr>
-                                        <p:cTn id="27" dur="500" fill="hold"/>
+                                        <p:cTn id="22" dur="500" fill="hold"/>
                                         <p:tgtEl>
                                           <p:spTgt spid="8"/>
                                         </p:tgtEl>
@@ -5801,7 +5635,7 @@
                                     </p:anim>
                                     <p:anim calcmode="lin" valueType="num">
                                       <p:cBhvr>
-                                        <p:cTn id="28" dur="500" fill="hold"/>
+                                        <p:cTn id="23" dur="500" fill="hold"/>
                                         <p:tgtEl>
                                           <p:spTgt spid="8"/>
                                         </p:tgtEl>
@@ -5824,76 +5658,9 @@
                                     </p:anim>
                                     <p:animEffect transition="in" filter="fade">
                                       <p:cBhvr>
-                                        <p:cTn id="29" dur="500"/>
+                                        <p:cTn id="24" dur="500"/>
                                         <p:tgtEl>
                                           <p:spTgt spid="8"/>
-                                        </p:tgtEl>
-                                      </p:cBhvr>
-                                    </p:animEffect>
-                                  </p:childTnLst>
-                                </p:cTn>
-                              </p:par>
-                            </p:childTnLst>
-                          </p:cTn>
-                        </p:par>
-                        <p:par>
-                          <p:cTn id="30" fill="hold">
-                            <p:stCondLst>
-                              <p:cond delay="3000"/>
-                            </p:stCondLst>
-                            <p:childTnLst>
-                              <p:par>
-                                <p:cTn id="31" presetID="12" presetClass="entr" presetSubtype="1" fill="hold" grpId="0" nodeType="afterEffect">
-                                  <p:stCondLst>
-                                    <p:cond delay="0"/>
-                                  </p:stCondLst>
-                                  <p:childTnLst>
-                                    <p:set>
-                                      <p:cBhvr>
-                                        <p:cTn id="32" dur="1" fill="hold">
-                                          <p:stCondLst>
-                                            <p:cond delay="0"/>
-                                          </p:stCondLst>
-                                        </p:cTn>
-                                        <p:tgtEl>
-                                          <p:spTgt spid="10"/>
-                                        </p:tgtEl>
-                                        <p:attrNameLst>
-                                          <p:attrName>style.visibility</p:attrName>
-                                        </p:attrNameLst>
-                                      </p:cBhvr>
-                                      <p:to>
-                                        <p:strVal val="visible"/>
-                                      </p:to>
-                                    </p:set>
-                                    <p:anim calcmode="lin" valueType="num">
-                                      <p:cBhvr additive="base">
-                                        <p:cTn id="33" dur="500"/>
-                                        <p:tgtEl>
-                                          <p:spTgt spid="10"/>
-                                        </p:tgtEl>
-                                        <p:attrNameLst>
-                                          <p:attrName>ppt_y</p:attrName>
-                                        </p:attrNameLst>
-                                      </p:cBhvr>
-                                      <p:tavLst>
-                                        <p:tav tm="0">
-                                          <p:val>
-                                            <p:strVal val="#ppt_y-#ppt_h*1.125000"/>
-                                          </p:val>
-                                        </p:tav>
-                                        <p:tav tm="100000">
-                                          <p:val>
-                                            <p:strVal val="#ppt_y"/>
-                                          </p:val>
-                                        </p:tav>
-                                      </p:tavLst>
-                                    </p:anim>
-                                    <p:animEffect transition="in" filter="wipe(down)">
-                                      <p:cBhvr>
-                                        <p:cTn id="34" dur="500"/>
-                                        <p:tgtEl>
-                                          <p:spTgt spid="10"/>
                                         </p:tgtEl>
                                       </p:cBhvr>
                                     </p:animEffect>
@@ -5930,8 +5697,6 @@
     <p:bldLst>
       <p:bldP spid="3" grpId="0" animBg="1"/>
       <p:bldP spid="4" grpId="0"/>
-      <p:bldP spid="5" grpId="0"/>
-      <p:bldP spid="10" grpId="0"/>
     </p:bldLst>
   </p:timing>
 </p:sld>
